--- a/Apresentação/Algoritmo de criptografia AES APRESENTAÇÃO.pptx
+++ b/Apresentação/Algoritmo de criptografia AES APRESENTAÇÃO.pptx
@@ -5,7 +5,7 @@
     <p:sldMasterId id="2147483840" r:id="rId1"/>
   </p:sldMasterIdLst>
   <p:notesMasterIdLst>
-    <p:notesMasterId r:id="rId13"/>
+    <p:notesMasterId r:id="rId17"/>
   </p:notesMasterIdLst>
   <p:sldIdLst>
     <p:sldId id="256" r:id="rId2"/>
@@ -16,9 +16,13 @@
     <p:sldId id="260" r:id="rId7"/>
     <p:sldId id="265" r:id="rId8"/>
     <p:sldId id="266" r:id="rId9"/>
-    <p:sldId id="263" r:id="rId10"/>
-    <p:sldId id="262" r:id="rId11"/>
-    <p:sldId id="261" r:id="rId12"/>
+    <p:sldId id="267" r:id="rId10"/>
+    <p:sldId id="268" r:id="rId11"/>
+    <p:sldId id="269" r:id="rId12"/>
+    <p:sldId id="270" r:id="rId13"/>
+    <p:sldId id="263" r:id="rId14"/>
+    <p:sldId id="262" r:id="rId15"/>
+    <p:sldId id="261" r:id="rId16"/>
   </p:sldIdLst>
   <p:sldSz cx="12192000" cy="6858000"/>
   <p:notesSz cx="6858000" cy="9144000"/>
@@ -119,7 +123,7 @@
   </p:defaultTextStyle>
   <p:extLst>
     <p:ext uri="{EFAFB233-063F-42B5-8137-9DF3F51BA10A}">
-      <p15:sldGuideLst xmlns:p15="http://schemas.microsoft.com/office/powerpoint/2012/main"/>
+      <p15:sldGuideLst xmlns:p15="http://schemas.microsoft.com/office/powerpoint/2012/main" xmlns=""/>
     </p:ext>
   </p:extLst>
 </p:presentation>
@@ -4072,6 +4076,832 @@
       </p:grpSpPr>
       <p:sp>
         <p:nvSpPr>
+          <p:cNvPr id="4" name="Espaço Reservado para Número de Slide 3"/>
+          <p:cNvSpPr>
+            <a:spLocks noGrp="1"/>
+          </p:cNvSpPr>
+          <p:nvPr>
+            <p:ph type="sldNum" sz="quarter" idx="12"/>
+          </p:nvPr>
+        </p:nvSpPr>
+        <p:spPr/>
+        <p:txBody>
+          <a:bodyPr>
+            <a:normAutofit lnSpcReduction="10000"/>
+          </a:bodyPr>
+          <a:lstStyle/>
+          <a:p>
+            <a:fld id="{4FAB73BC-B049-4115-A692-8D63A059BFB8}" type="slidenum">
+              <a:rPr lang="en-US" smtClean="0"/>
+              <a:t>10</a:t>
+            </a:fld>
+            <a:endParaRPr lang="en-US" dirty="0"/>
+          </a:p>
+        </p:txBody>
+      </p:sp>
+      <p:sp>
+        <p:nvSpPr>
+          <p:cNvPr id="5" name="Título 1"/>
+          <p:cNvSpPr>
+            <a:spLocks noGrp="1"/>
+          </p:cNvSpPr>
+          <p:nvPr>
+            <p:ph type="title"/>
+          </p:nvPr>
+        </p:nvSpPr>
+        <p:spPr>
+          <a:xfrm>
+            <a:off x="0" y="357353"/>
+            <a:ext cx="11277600" cy="1325562"/>
+          </a:xfrm>
+        </p:spPr>
+        <p:txBody>
+          <a:bodyPr/>
+          <a:lstStyle/>
+          <a:p>
+            <a:pPr algn="ctr"/>
+            <a:r>
+              <a:rPr lang="pt-BR" dirty="0" err="1" smtClean="0"/>
+              <a:t>SubBytes</a:t>
+            </a:r>
+            <a:r>
+              <a:rPr lang="pt-BR" dirty="0"/>
+              <a:t/>
+            </a:r>
+            <a:br>
+              <a:rPr lang="pt-BR" dirty="0"/>
+            </a:br>
+            <a:endParaRPr lang="pt-BR" dirty="0"/>
+          </a:p>
+        </p:txBody>
+      </p:sp>
+      <p:sp>
+        <p:nvSpPr>
+          <p:cNvPr id="6" name="CaixaDeTexto 5"/>
+          <p:cNvSpPr txBox="1"/>
+          <p:nvPr/>
+        </p:nvSpPr>
+        <p:spPr>
+          <a:xfrm>
+            <a:off x="735724" y="1723697"/>
+            <a:ext cx="10025501" cy="1200329"/>
+          </a:xfrm>
+          <a:prstGeom prst="rect">
+            <a:avLst/>
+          </a:prstGeom>
+          <a:noFill/>
+        </p:spPr>
+        <p:txBody>
+          <a:bodyPr wrap="none" rtlCol="0">
+            <a:spAutoFit/>
+          </a:bodyPr>
+          <a:lstStyle/>
+          <a:p>
+            <a:r>
+              <a:rPr lang="pt-BR" dirty="0" err="1" smtClean="0"/>
+              <a:t>SubBytes</a:t>
+            </a:r>
+            <a:r>
+              <a:rPr lang="pt-BR" dirty="0" smtClean="0"/>
+              <a:t> é uma substituição não-linear que opera de forma</a:t>
+            </a:r>
+          </a:p>
+          <a:p>
+            <a:r>
+              <a:rPr lang="pt-BR" dirty="0"/>
+              <a:t>i</a:t>
+            </a:r>
+            <a:r>
+              <a:rPr lang="pt-BR" dirty="0" smtClean="0"/>
+              <a:t>ndependente em cada byte do </a:t>
+            </a:r>
+            <a:r>
+              <a:rPr lang="pt-BR" dirty="0" err="1" smtClean="0"/>
+              <a:t>array</a:t>
+            </a:r>
+            <a:r>
+              <a:rPr lang="pt-BR" dirty="0" smtClean="0"/>
+              <a:t> de estado utilizando  a tabela de substituição </a:t>
+            </a:r>
+            <a:r>
+              <a:rPr lang="pt-BR" dirty="0" err="1" smtClean="0"/>
+              <a:t>S-box</a:t>
+            </a:r>
+            <a:r>
+              <a:rPr lang="pt-BR" dirty="0" smtClean="0"/>
+              <a:t> </a:t>
+            </a:r>
+          </a:p>
+          <a:p>
+            <a:r>
+              <a:rPr lang="pt-BR" dirty="0" smtClean="0"/>
+              <a:t>tendo </a:t>
+            </a:r>
+            <a:r>
+              <a:rPr lang="pt-BR" dirty="0"/>
+              <a:t>em mente evitar os ataques baseados </a:t>
+            </a:r>
+            <a:r>
+              <a:rPr lang="pt-BR" dirty="0" smtClean="0"/>
+              <a:t>em </a:t>
+            </a:r>
+            <a:r>
+              <a:rPr lang="pt-BR" dirty="0"/>
+              <a:t>propriedades algébricas simples. </a:t>
+            </a:r>
+            <a:r>
+              <a:rPr lang="pt-BR" dirty="0" smtClean="0"/>
+              <a:t>Os bytes do</a:t>
+            </a:r>
+          </a:p>
+          <a:p>
+            <a:r>
+              <a:rPr lang="pt-BR" dirty="0" err="1" smtClean="0"/>
+              <a:t>Array</a:t>
+            </a:r>
+            <a:r>
+              <a:rPr lang="pt-BR" dirty="0" smtClean="0"/>
+              <a:t> Estado são substituídos usando a </a:t>
+            </a:r>
+            <a:r>
+              <a:rPr lang="pt-BR" dirty="0" err="1" smtClean="0"/>
+              <a:t>S-box</a:t>
+            </a:r>
+            <a:r>
+              <a:rPr lang="pt-BR" dirty="0" smtClean="0"/>
+              <a:t>.</a:t>
+            </a:r>
+            <a:endParaRPr lang="pt-BR" dirty="0"/>
+          </a:p>
+        </p:txBody>
+      </p:sp>
+      <p:sp>
+        <p:nvSpPr>
+          <p:cNvPr id="7" name="CaixaDeTexto 6"/>
+          <p:cNvSpPr txBox="1"/>
+          <p:nvPr/>
+        </p:nvSpPr>
+        <p:spPr>
+          <a:xfrm>
+            <a:off x="304800" y="3707673"/>
+            <a:ext cx="3752194" cy="1200329"/>
+          </a:xfrm>
+          <a:prstGeom prst="rect">
+            <a:avLst/>
+          </a:prstGeom>
+          <a:noFill/>
+        </p:spPr>
+        <p:txBody>
+          <a:bodyPr wrap="square" rtlCol="0">
+            <a:spAutoFit/>
+          </a:bodyPr>
+          <a:lstStyle/>
+          <a:p>
+            <a:r>
+              <a:rPr lang="pt-BR" dirty="0" err="1" smtClean="0"/>
+              <a:t>S-box</a:t>
+            </a:r>
+            <a:r>
+              <a:rPr lang="pt-BR" dirty="0" smtClean="0"/>
+              <a:t> é uma tabela de 8 bits, construída com a combinação de uma função inversora com uma </a:t>
+            </a:r>
+            <a:r>
+              <a:rPr lang="pt-BR" dirty="0" err="1" smtClean="0"/>
+              <a:t>tranformação</a:t>
+            </a:r>
+            <a:r>
+              <a:rPr lang="pt-BR" dirty="0" smtClean="0"/>
+              <a:t> invertível.</a:t>
+            </a:r>
+            <a:endParaRPr lang="pt-BR" dirty="0"/>
+          </a:p>
+        </p:txBody>
+      </p:sp>
+      <p:pic>
+        <p:nvPicPr>
+          <p:cNvPr id="9" name="Imagem 8"/>
+          <p:cNvPicPr>
+            <a:picLocks noChangeAspect="1"/>
+          </p:cNvPicPr>
+          <p:nvPr/>
+        </p:nvPicPr>
+        <p:blipFill>
+          <a:blip r:embed="rId2">
+            <a:extLst>
+              <a:ext uri="{28A0092B-C50C-407E-A947-70E740481C1C}">
+                <a14:useLocalDpi xmlns:a14="http://schemas.microsoft.com/office/drawing/2010/main" val="0"/>
+              </a:ext>
+            </a:extLst>
+          </a:blip>
+          <a:stretch>
+            <a:fillRect/>
+          </a:stretch>
+        </p:blipFill>
+        <p:spPr>
+          <a:xfrm>
+            <a:off x="5149385" y="3307801"/>
+            <a:ext cx="5331235" cy="2954299"/>
+          </a:xfrm>
+          <a:prstGeom prst="rect">
+            <a:avLst/>
+          </a:prstGeom>
+        </p:spPr>
+      </p:pic>
+    </p:spTree>
+    <p:extLst>
+      <p:ext uri="{BB962C8B-B14F-4D97-AF65-F5344CB8AC3E}">
+        <p14:creationId xmlns:p14="http://schemas.microsoft.com/office/powerpoint/2010/main" val="2232256323"/>
+      </p:ext>
+    </p:extLst>
+  </p:cSld>
+  <p:clrMapOvr>
+    <a:masterClrMapping/>
+  </p:clrMapOvr>
+</p:sld>
+</file>
+
+<file path=ppt/slides/slide11.xml><?xml version="1.0" encoding="utf-8"?>
+<p:sld xmlns:a="http://schemas.openxmlformats.org/drawingml/2006/main" xmlns:r="http://schemas.openxmlformats.org/officeDocument/2006/relationships" xmlns:p="http://schemas.openxmlformats.org/presentationml/2006/main">
+  <p:cSld>
+    <p:spTree>
+      <p:nvGrpSpPr>
+        <p:cNvPr id="1" name=""/>
+        <p:cNvGrpSpPr/>
+        <p:nvPr/>
+      </p:nvGrpSpPr>
+      <p:grpSpPr>
+        <a:xfrm>
+          <a:off x="0" y="0"/>
+          <a:ext cx="0" cy="0"/>
+          <a:chOff x="0" y="0"/>
+          <a:chExt cx="0" cy="0"/>
+        </a:xfrm>
+      </p:grpSpPr>
+      <p:sp>
+        <p:nvSpPr>
+          <p:cNvPr id="4" name="Espaço Reservado para Número de Slide 3"/>
+          <p:cNvSpPr>
+            <a:spLocks noGrp="1"/>
+          </p:cNvSpPr>
+          <p:nvPr>
+            <p:ph type="sldNum" sz="quarter" idx="12"/>
+          </p:nvPr>
+        </p:nvSpPr>
+        <p:spPr/>
+        <p:txBody>
+          <a:bodyPr>
+            <a:normAutofit lnSpcReduction="10000"/>
+          </a:bodyPr>
+          <a:lstStyle/>
+          <a:p>
+            <a:fld id="{4FAB73BC-B049-4115-A692-8D63A059BFB8}" type="slidenum">
+              <a:rPr lang="en-US" smtClean="0"/>
+              <a:t>11</a:t>
+            </a:fld>
+            <a:endParaRPr lang="en-US" dirty="0"/>
+          </a:p>
+        </p:txBody>
+      </p:sp>
+      <p:sp>
+        <p:nvSpPr>
+          <p:cNvPr id="5" name="Título 1"/>
+          <p:cNvSpPr>
+            <a:spLocks noGrp="1"/>
+          </p:cNvSpPr>
+          <p:nvPr>
+            <p:ph type="title"/>
+          </p:nvPr>
+        </p:nvSpPr>
+        <p:spPr>
+          <a:xfrm>
+            <a:off x="0" y="357353"/>
+            <a:ext cx="11277600" cy="1325562"/>
+          </a:xfrm>
+        </p:spPr>
+        <p:txBody>
+          <a:bodyPr/>
+          <a:lstStyle/>
+          <a:p>
+            <a:pPr algn="ctr"/>
+            <a:r>
+              <a:rPr lang="pt-BR" dirty="0" err="1" smtClean="0"/>
+              <a:t>ShiftRows</a:t>
+            </a:r>
+            <a:r>
+              <a:rPr lang="pt-BR" dirty="0" smtClean="0"/>
+              <a:t/>
+            </a:r>
+            <a:br>
+              <a:rPr lang="pt-BR" dirty="0" smtClean="0"/>
+            </a:br>
+            <a:endParaRPr lang="pt-BR" dirty="0"/>
+          </a:p>
+        </p:txBody>
+      </p:sp>
+      <p:sp>
+        <p:nvSpPr>
+          <p:cNvPr id="6" name="CaixaDeTexto 5"/>
+          <p:cNvSpPr txBox="1"/>
+          <p:nvPr/>
+        </p:nvSpPr>
+        <p:spPr>
+          <a:xfrm>
+            <a:off x="367862" y="1933903"/>
+            <a:ext cx="10184524" cy="1200329"/>
+          </a:xfrm>
+          <a:prstGeom prst="rect">
+            <a:avLst/>
+          </a:prstGeom>
+          <a:noFill/>
+        </p:spPr>
+        <p:txBody>
+          <a:bodyPr wrap="square" rtlCol="0">
+            <a:spAutoFit/>
+          </a:bodyPr>
+          <a:lstStyle/>
+          <a:p>
+            <a:r>
+              <a:rPr lang="pt-BR" dirty="0" smtClean="0"/>
+              <a:t>Esta é uma etapa que opera somente nas linhas do estado, deslocando os bytes de cada linha de um determinado número de posições. A primeira linha não altera, a segunda é deslocada uma posição para esquerda, a terceira duas posições para esquerda e a quarta é deslocada três posições para esquerda.</a:t>
+            </a:r>
+            <a:endParaRPr lang="pt-BR" dirty="0"/>
+          </a:p>
+        </p:txBody>
+      </p:sp>
+      <p:pic>
+        <p:nvPicPr>
+          <p:cNvPr id="8" name="Imagem 7"/>
+          <p:cNvPicPr>
+            <a:picLocks noChangeAspect="1"/>
+          </p:cNvPicPr>
+          <p:nvPr/>
+        </p:nvPicPr>
+        <p:blipFill>
+          <a:blip r:embed="rId2">
+            <a:extLst>
+              <a:ext uri="{28A0092B-C50C-407E-A947-70E740481C1C}">
+                <a14:useLocalDpi xmlns:a14="http://schemas.microsoft.com/office/drawing/2010/main" val="0"/>
+              </a:ext>
+            </a:extLst>
+          </a:blip>
+          <a:stretch>
+            <a:fillRect/>
+          </a:stretch>
+        </p:blipFill>
+        <p:spPr>
+          <a:xfrm>
+            <a:off x="4834759" y="3215828"/>
+            <a:ext cx="4991592" cy="3347458"/>
+          </a:xfrm>
+          <a:prstGeom prst="rect">
+            <a:avLst/>
+          </a:prstGeom>
+        </p:spPr>
+      </p:pic>
+    </p:spTree>
+    <p:extLst>
+      <p:ext uri="{BB962C8B-B14F-4D97-AF65-F5344CB8AC3E}">
+        <p14:creationId xmlns:p14="http://schemas.microsoft.com/office/powerpoint/2010/main" val="452847107"/>
+      </p:ext>
+    </p:extLst>
+  </p:cSld>
+  <p:clrMapOvr>
+    <a:masterClrMapping/>
+  </p:clrMapOvr>
+</p:sld>
+</file>
+
+<file path=ppt/slides/slide12.xml><?xml version="1.0" encoding="utf-8"?>
+<p:sld xmlns:a="http://schemas.openxmlformats.org/drawingml/2006/main" xmlns:r="http://schemas.openxmlformats.org/officeDocument/2006/relationships" xmlns:p="http://schemas.openxmlformats.org/presentationml/2006/main">
+  <p:cSld>
+    <p:spTree>
+      <p:nvGrpSpPr>
+        <p:cNvPr id="1" name=""/>
+        <p:cNvGrpSpPr/>
+        <p:nvPr/>
+      </p:nvGrpSpPr>
+      <p:grpSpPr>
+        <a:xfrm>
+          <a:off x="0" y="0"/>
+          <a:ext cx="0" cy="0"/>
+          <a:chOff x="0" y="0"/>
+          <a:chExt cx="0" cy="0"/>
+        </a:xfrm>
+      </p:grpSpPr>
+      <p:sp>
+        <p:nvSpPr>
+          <p:cNvPr id="4" name="Espaço Reservado para Número de Slide 3"/>
+          <p:cNvSpPr>
+            <a:spLocks noGrp="1"/>
+          </p:cNvSpPr>
+          <p:nvPr>
+            <p:ph type="sldNum" sz="quarter" idx="12"/>
+          </p:nvPr>
+        </p:nvSpPr>
+        <p:spPr/>
+        <p:txBody>
+          <a:bodyPr>
+            <a:normAutofit lnSpcReduction="10000"/>
+          </a:bodyPr>
+          <a:lstStyle/>
+          <a:p>
+            <a:fld id="{4FAB73BC-B049-4115-A692-8D63A059BFB8}" type="slidenum">
+              <a:rPr lang="en-US" smtClean="0"/>
+              <a:t>12</a:t>
+            </a:fld>
+            <a:endParaRPr lang="en-US" dirty="0"/>
+          </a:p>
+        </p:txBody>
+      </p:sp>
+      <p:sp>
+        <p:nvSpPr>
+          <p:cNvPr id="5" name="Título 1"/>
+          <p:cNvSpPr>
+            <a:spLocks noGrp="1"/>
+          </p:cNvSpPr>
+          <p:nvPr>
+            <p:ph type="title"/>
+          </p:nvPr>
+        </p:nvSpPr>
+        <p:spPr/>
+        <p:txBody>
+          <a:bodyPr/>
+          <a:lstStyle/>
+          <a:p>
+            <a:pPr algn="ctr"/>
+            <a:r>
+              <a:rPr lang="pt-BR" dirty="0" err="1" smtClean="0"/>
+              <a:t>MixColumns</a:t>
+            </a:r>
+            <a:r>
+              <a:rPr lang="pt-BR" dirty="0" smtClean="0"/>
+              <a:t/>
+            </a:r>
+            <a:br>
+              <a:rPr lang="pt-BR" dirty="0" smtClean="0"/>
+            </a:br>
+            <a:endParaRPr lang="pt-BR" dirty="0"/>
+          </a:p>
+        </p:txBody>
+      </p:sp>
+      <p:sp>
+        <p:nvSpPr>
+          <p:cNvPr id="6" name="CaixaDeTexto 5"/>
+          <p:cNvSpPr txBox="1"/>
+          <p:nvPr/>
+        </p:nvSpPr>
+        <p:spPr>
+          <a:xfrm>
+            <a:off x="472966" y="1545020"/>
+            <a:ext cx="9574924" cy="923330"/>
+          </a:xfrm>
+          <a:prstGeom prst="rect">
+            <a:avLst/>
+          </a:prstGeom>
+          <a:noFill/>
+        </p:spPr>
+        <p:txBody>
+          <a:bodyPr wrap="square" rtlCol="0">
+            <a:spAutoFit/>
+          </a:bodyPr>
+          <a:lstStyle/>
+          <a:p>
+            <a:r>
+              <a:rPr lang="pt-BR" dirty="0" smtClean="0"/>
+              <a:t>Na etapa </a:t>
+            </a:r>
+            <a:r>
+              <a:rPr lang="pt-BR" dirty="0" err="1" smtClean="0"/>
+              <a:t>MixColumns</a:t>
+            </a:r>
+            <a:r>
+              <a:rPr lang="pt-BR" dirty="0" smtClean="0"/>
+              <a:t> faz-se uma operação sobre as colunas do estado. O resultado desta etapa se dá com a multiplicação dos elementos do </a:t>
+            </a:r>
+            <a:r>
+              <a:rPr lang="pt-BR" dirty="0" err="1" smtClean="0"/>
+              <a:t>array</a:t>
+            </a:r>
+            <a:r>
+              <a:rPr lang="pt-BR" dirty="0" smtClean="0"/>
+              <a:t> Estado por um polinômio definido como: 03</a:t>
+            </a:r>
+            <a:r>
+              <a:rPr lang="pt-BR" baseline="-25000" dirty="0" smtClean="0"/>
+              <a:t>3</a:t>
+            </a:r>
+            <a:r>
+              <a:rPr lang="pt-BR" dirty="0" smtClean="0"/>
+              <a:t>x³ + 01</a:t>
+            </a:r>
+            <a:r>
+              <a:rPr lang="pt-BR" baseline="-25000" dirty="0" smtClean="0"/>
+              <a:t>2</a:t>
+            </a:r>
+            <a:r>
+              <a:rPr lang="pt-BR" dirty="0" smtClean="0"/>
+              <a:t>x² + 01</a:t>
+            </a:r>
+            <a:r>
+              <a:rPr lang="pt-BR" baseline="-25000" dirty="0" smtClean="0"/>
+              <a:t>1</a:t>
+            </a:r>
+            <a:r>
+              <a:rPr lang="pt-BR" dirty="0" smtClean="0"/>
+              <a:t>x + 01</a:t>
+            </a:r>
+            <a:r>
+              <a:rPr lang="pt-BR" baseline="-25000" dirty="0" smtClean="0"/>
+              <a:t>0</a:t>
+            </a:r>
+            <a:endParaRPr lang="pt-BR" baseline="-25000" dirty="0"/>
+          </a:p>
+        </p:txBody>
+      </p:sp>
+      <p:pic>
+        <p:nvPicPr>
+          <p:cNvPr id="8" name="Imagem 7"/>
+          <p:cNvPicPr>
+            <a:picLocks noChangeAspect="1"/>
+          </p:cNvPicPr>
+          <p:nvPr/>
+        </p:nvPicPr>
+        <p:blipFill>
+          <a:blip r:embed="rId2">
+            <a:extLst>
+              <a:ext uri="{28A0092B-C50C-407E-A947-70E740481C1C}">
+                <a14:useLocalDpi xmlns:a14="http://schemas.microsoft.com/office/drawing/2010/main" val="0"/>
+              </a:ext>
+            </a:extLst>
+          </a:blip>
+          <a:stretch>
+            <a:fillRect/>
+          </a:stretch>
+        </p:blipFill>
+        <p:spPr>
+          <a:xfrm>
+            <a:off x="4561025" y="3161149"/>
+            <a:ext cx="5678349" cy="3302713"/>
+          </a:xfrm>
+          <a:prstGeom prst="rect">
+            <a:avLst/>
+          </a:prstGeom>
+        </p:spPr>
+      </p:pic>
+    </p:spTree>
+    <p:extLst>
+      <p:ext uri="{BB962C8B-B14F-4D97-AF65-F5344CB8AC3E}">
+        <p14:creationId xmlns:p14="http://schemas.microsoft.com/office/powerpoint/2010/main" val="3219839075"/>
+      </p:ext>
+    </p:extLst>
+  </p:cSld>
+  <p:clrMapOvr>
+    <a:masterClrMapping/>
+  </p:clrMapOvr>
+</p:sld>
+</file>
+
+<file path=ppt/slides/slide13.xml><?xml version="1.0" encoding="utf-8"?>
+<p:sld xmlns:a="http://schemas.openxmlformats.org/drawingml/2006/main" xmlns:r="http://schemas.openxmlformats.org/officeDocument/2006/relationships" xmlns:p="http://schemas.openxmlformats.org/presentationml/2006/main">
+  <p:cSld>
+    <p:spTree>
+      <p:nvGrpSpPr>
+        <p:cNvPr id="1" name=""/>
+        <p:cNvGrpSpPr/>
+        <p:nvPr/>
+      </p:nvGrpSpPr>
+      <p:grpSpPr>
+        <a:xfrm>
+          <a:off x="0" y="0"/>
+          <a:ext cx="0" cy="0"/>
+          <a:chOff x="0" y="0"/>
+          <a:chExt cx="0" cy="0"/>
+        </a:xfrm>
+      </p:grpSpPr>
+      <p:sp>
+        <p:nvSpPr>
+          <p:cNvPr id="2" name="Título 1"/>
+          <p:cNvSpPr>
+            <a:spLocks noGrp="1"/>
+          </p:cNvSpPr>
+          <p:nvPr>
+            <p:ph type="title"/>
+          </p:nvPr>
+        </p:nvSpPr>
+        <p:spPr>
+          <a:xfrm>
+            <a:off x="0" y="365760"/>
+            <a:ext cx="11292840" cy="670021"/>
+          </a:xfrm>
+        </p:spPr>
+        <p:txBody>
+          <a:bodyPr>
+            <a:normAutofit fontScale="90000"/>
+          </a:bodyPr>
+          <a:lstStyle/>
+          <a:p>
+            <a:pPr algn="ctr"/>
+            <a:r>
+              <a:rPr lang="pt-BR" dirty="0" smtClean="0"/>
+              <a:t>Organização</a:t>
+            </a:r>
+            <a:endParaRPr lang="pt-BR" dirty="0"/>
+          </a:p>
+        </p:txBody>
+      </p:sp>
+      <p:sp>
+        <p:nvSpPr>
+          <p:cNvPr id="3" name="Espaço Reservado para Conteúdo 2"/>
+          <p:cNvSpPr>
+            <a:spLocks noGrp="1"/>
+          </p:cNvSpPr>
+          <p:nvPr>
+            <p:ph idx="1"/>
+          </p:nvPr>
+        </p:nvSpPr>
+        <p:spPr/>
+        <p:txBody>
+          <a:bodyPr/>
+          <a:lstStyle/>
+          <a:p>
+            <a:r>
+              <a:rPr lang="pt-BR" dirty="0" smtClean="0"/>
+              <a:t>Utilização de ferramenta de controle de versão</a:t>
+            </a:r>
+          </a:p>
+          <a:p>
+            <a:pPr marL="0" indent="0">
+              <a:buNone/>
+            </a:pPr>
+            <a:endParaRPr lang="pt-BR" dirty="0"/>
+          </a:p>
+          <a:p>
+            <a:r>
+              <a:rPr lang="pt-BR" dirty="0" smtClean="0">
+                <a:hlinkClick r:id="rId2"/>
+              </a:rPr>
+              <a:t>https</a:t>
+            </a:r>
+            <a:r>
+              <a:rPr lang="pt-BR" dirty="0">
+                <a:hlinkClick r:id="rId2"/>
+              </a:rPr>
+              <a:t>://</a:t>
+            </a:r>
+            <a:r>
+              <a:rPr lang="pt-BR" dirty="0" smtClean="0">
+                <a:hlinkClick r:id="rId2"/>
+              </a:rPr>
+              <a:t>github.com/robainaricardo/Algoritimo-de-Criptografia-AES-em-JAVA</a:t>
+            </a:r>
+            <a:endParaRPr lang="pt-BR" dirty="0"/>
+          </a:p>
+          <a:p>
+            <a:pPr marL="0" indent="0">
+              <a:buNone/>
+            </a:pPr>
+            <a:endParaRPr lang="pt-BR" dirty="0"/>
+          </a:p>
+          <a:p>
+            <a:r>
+              <a:rPr lang="pt-BR" b="1" dirty="0" smtClean="0"/>
+              <a:t>Divisão em Etapas</a:t>
+            </a:r>
+          </a:p>
+          <a:p>
+            <a:pPr lvl="1"/>
+            <a:r>
+              <a:rPr lang="pt-BR" dirty="0" smtClean="0"/>
+              <a:t>Entendimento do funcionamento do Algoritmo</a:t>
+            </a:r>
+          </a:p>
+          <a:p>
+            <a:pPr lvl="1"/>
+            <a:r>
+              <a:rPr lang="pt-BR" dirty="0" smtClean="0"/>
+              <a:t>Implementação sequencial</a:t>
+            </a:r>
+          </a:p>
+          <a:p>
+            <a:pPr lvl="1"/>
+            <a:r>
+              <a:rPr lang="pt-BR" dirty="0" smtClean="0"/>
+              <a:t>Implementação com paralelismo</a:t>
+            </a:r>
+          </a:p>
+          <a:p>
+            <a:pPr lvl="1"/>
+            <a:r>
+              <a:rPr lang="pt-BR" dirty="0" smtClean="0"/>
+              <a:t>Testes</a:t>
+            </a:r>
+          </a:p>
+          <a:p>
+            <a:pPr lvl="1"/>
+            <a:r>
+              <a:rPr lang="pt-BR" dirty="0" smtClean="0"/>
+              <a:t>Análise</a:t>
+            </a:r>
+          </a:p>
+        </p:txBody>
+      </p:sp>
+      <p:sp>
+        <p:nvSpPr>
+          <p:cNvPr id="4" name="Espaço Reservado para Número de Slide 3"/>
+          <p:cNvSpPr>
+            <a:spLocks noGrp="1"/>
+          </p:cNvSpPr>
+          <p:nvPr>
+            <p:ph type="sldNum" sz="quarter" idx="12"/>
+          </p:nvPr>
+        </p:nvSpPr>
+        <p:spPr/>
+        <p:txBody>
+          <a:bodyPr>
+            <a:normAutofit lnSpcReduction="10000"/>
+          </a:bodyPr>
+          <a:lstStyle/>
+          <a:p>
+            <a:fld id="{4FAB73BC-B049-4115-A692-8D63A059BFB8}" type="slidenum">
+              <a:rPr lang="en-US" smtClean="0"/>
+              <a:t>13</a:t>
+            </a:fld>
+            <a:endParaRPr lang="en-US" dirty="0"/>
+          </a:p>
+        </p:txBody>
+      </p:sp>
+      <p:pic>
+        <p:nvPicPr>
+          <p:cNvPr id="5" name="Imagem 4"/>
+          <p:cNvPicPr>
+            <a:picLocks noChangeAspect="1"/>
+          </p:cNvPicPr>
+          <p:nvPr/>
+        </p:nvPicPr>
+        <p:blipFill>
+          <a:blip r:embed="rId3">
+            <a:extLst>
+              <a:ext uri="{28A0092B-C50C-407E-A947-70E740481C1C}">
+                <a14:useLocalDpi xmlns:a14="http://schemas.microsoft.com/office/drawing/2010/main" val="0"/>
+              </a:ext>
+            </a:extLst>
+          </a:blip>
+          <a:stretch>
+            <a:fillRect/>
+          </a:stretch>
+        </p:blipFill>
+        <p:spPr>
+          <a:xfrm>
+            <a:off x="7098976" y="1400596"/>
+            <a:ext cx="2758256" cy="1193800"/>
+          </a:xfrm>
+          <a:prstGeom prst="rect">
+            <a:avLst/>
+          </a:prstGeom>
+        </p:spPr>
+      </p:pic>
+    </p:spTree>
+    <p:extLst>
+      <p:ext uri="{BB962C8B-B14F-4D97-AF65-F5344CB8AC3E}">
+        <p14:creationId xmlns:p14="http://schemas.microsoft.com/office/powerpoint/2010/main" val="1938584405"/>
+      </p:ext>
+    </p:extLst>
+  </p:cSld>
+  <p:clrMapOvr>
+    <a:masterClrMapping/>
+  </p:clrMapOvr>
+  <p:transition spd="slow">
+    <p:push dir="u"/>
+  </p:transition>
+  <p:timing>
+    <p:tnLst>
+      <p:par>
+        <p:cTn id="1" dur="indefinite" restart="never" nodeType="tmRoot"/>
+      </p:par>
+    </p:tnLst>
+  </p:timing>
+</p:sld>
+</file>
+
+<file path=ppt/slides/slide14.xml><?xml version="1.0" encoding="utf-8"?>
+<p:sld xmlns:a="http://schemas.openxmlformats.org/drawingml/2006/main" xmlns:r="http://schemas.openxmlformats.org/officeDocument/2006/relationships" xmlns:p="http://schemas.openxmlformats.org/presentationml/2006/main">
+  <p:cSld>
+    <p:spTree>
+      <p:nvGrpSpPr>
+        <p:cNvPr id="1" name=""/>
+        <p:cNvGrpSpPr/>
+        <p:nvPr/>
+      </p:nvGrpSpPr>
+      <p:grpSpPr>
+        <a:xfrm>
+          <a:off x="0" y="0"/>
+          <a:ext cx="0" cy="0"/>
+          <a:chOff x="0" y="0"/>
+          <a:chExt cx="0" cy="0"/>
+        </a:xfrm>
+      </p:grpSpPr>
+      <p:sp>
+        <p:nvSpPr>
           <p:cNvPr id="2" name="Título 1"/>
           <p:cNvSpPr>
             <a:spLocks noGrp="1"/>
@@ -4118,7 +4948,7 @@
           <a:p>
             <a:fld id="{4FAB73BC-B049-4115-A692-8D63A059BFB8}" type="slidenum">
               <a:rPr lang="en-US" smtClean="0"/>
-              <a:t>10</a:t>
+              <a:t>14</a:t>
             </a:fld>
             <a:endParaRPr lang="en-US" dirty="0"/>
           </a:p>
@@ -4596,7 +5426,7 @@
 </p:sld>
 </file>
 
-<file path=ppt/slides/slide11.xml><?xml version="1.0" encoding="utf-8"?>
+<file path=ppt/slides/slide15.xml><?xml version="1.0" encoding="utf-8"?>
 <p:sld xmlns:a="http://schemas.openxmlformats.org/drawingml/2006/main" xmlns:r="http://schemas.openxmlformats.org/officeDocument/2006/relationships" xmlns:p="http://schemas.openxmlformats.org/presentationml/2006/main">
   <p:cSld>
     <p:spTree>
@@ -5266,7 +6096,7 @@
           <a:p>
             <a:fld id="{4FAB73BC-B049-4115-A692-8D63A059BFB8}" type="slidenum">
               <a:rPr lang="en-US" smtClean="0"/>
-              <a:t>11</a:t>
+              <a:t>15</a:t>
             </a:fld>
             <a:endParaRPr lang="en-US" dirty="0"/>
           </a:p>
@@ -5920,11 +6750,7 @@
             </a:r>
             <a:r>
               <a:rPr lang="pt-BR" dirty="0" smtClean="0"/>
-              <a:t>ilegível (</a:t>
-            </a:r>
-            <a:r>
-              <a:rPr lang="pt-BR" dirty="0" smtClean="0"/>
-              <a:t>Encriptação/</a:t>
+              <a:t>ilegível (Encriptação/</a:t>
             </a:r>
             <a:r>
               <a:rPr lang="pt-BR" dirty="0" err="1" smtClean="0"/>
@@ -6114,15 +6940,7 @@
             </a:pPr>
             <a:r>
               <a:rPr lang="pt-BR" b="1" dirty="0" smtClean="0"/>
-              <a:t>Tipos </a:t>
-            </a:r>
-            <a:r>
-              <a:rPr lang="pt-BR" b="1" dirty="0" smtClean="0"/>
-              <a:t>de </a:t>
-            </a:r>
-            <a:r>
-              <a:rPr lang="pt-BR" b="1" dirty="0" smtClean="0"/>
-              <a:t>Criptografias</a:t>
+              <a:t>Tipos de Criptografias</a:t>
             </a:r>
           </a:p>
           <a:p>
@@ -6146,15 +6964,7 @@
             </a:pPr>
             <a:r>
               <a:rPr lang="pt-BR" dirty="0" smtClean="0"/>
-              <a:t>A mesma chave é utilizada tanto na </a:t>
-            </a:r>
-            <a:r>
-              <a:rPr lang="pt-BR" dirty="0" smtClean="0"/>
-              <a:t>Encriptação </a:t>
-            </a:r>
-            <a:r>
-              <a:rPr lang="pt-BR" dirty="0" smtClean="0"/>
-              <a:t>quanto na </a:t>
+              <a:t>A mesma chave é utilizada tanto na Encriptação quanto na </a:t>
             </a:r>
             <a:r>
               <a:rPr lang="pt-BR" dirty="0"/>
@@ -7515,118 +8325,27 @@
         </p:nvSpPr>
         <p:spPr>
           <a:xfrm>
-            <a:off x="0" y="365760"/>
-            <a:ext cx="11292840" cy="670021"/>
+            <a:off x="0" y="357353"/>
+            <a:ext cx="11277600" cy="1325562"/>
           </a:xfrm>
         </p:spPr>
         <p:txBody>
-          <a:bodyPr>
-            <a:normAutofit fontScale="90000"/>
-          </a:bodyPr>
+          <a:bodyPr/>
           <a:lstStyle/>
           <a:p>
             <a:pPr algn="ctr"/>
             <a:r>
-              <a:rPr lang="pt-BR" dirty="0" smtClean="0"/>
-              <a:t>Organização</a:t>
-            </a:r>
+              <a:rPr lang="pt-BR" dirty="0" err="1"/>
+              <a:t>AddRoundKey</a:t>
+            </a:r>
+            <a:r>
+              <a:rPr lang="pt-BR" dirty="0"/>
+              <a:t/>
+            </a:r>
+            <a:br>
+              <a:rPr lang="pt-BR" dirty="0"/>
+            </a:br>
             <a:endParaRPr lang="pt-BR" dirty="0"/>
-          </a:p>
-        </p:txBody>
-      </p:sp>
-      <p:sp>
-        <p:nvSpPr>
-          <p:cNvPr id="3" name="Espaço Reservado para Conteúdo 2"/>
-          <p:cNvSpPr>
-            <a:spLocks noGrp="1"/>
-          </p:cNvSpPr>
-          <p:nvPr>
-            <p:ph idx="1"/>
-          </p:nvPr>
-        </p:nvSpPr>
-        <p:spPr/>
-        <p:txBody>
-          <a:bodyPr/>
-          <a:lstStyle/>
-          <a:p>
-            <a:r>
-              <a:rPr lang="pt-BR" dirty="0" smtClean="0"/>
-              <a:t>Utilização de ferramenta de controle de versão</a:t>
-            </a:r>
-          </a:p>
-          <a:p>
-            <a:pPr marL="0" indent="0">
-              <a:buNone/>
-            </a:pPr>
-            <a:endParaRPr lang="pt-BR" dirty="0"/>
-          </a:p>
-          <a:p>
-            <a:r>
-              <a:rPr lang="pt-BR" dirty="0" smtClean="0">
-                <a:hlinkClick r:id="rId2"/>
-              </a:rPr>
-              <a:t>https</a:t>
-            </a:r>
-            <a:r>
-              <a:rPr lang="pt-BR" dirty="0">
-                <a:hlinkClick r:id="rId2"/>
-              </a:rPr>
-              <a:t>://</a:t>
-            </a:r>
-            <a:r>
-              <a:rPr lang="pt-BR" dirty="0" smtClean="0">
-                <a:hlinkClick r:id="rId2"/>
-              </a:rPr>
-              <a:t>github.com/robainaricardo/Algoritimo-de-Criptografia-AES-em-JAVA</a:t>
-            </a:r>
-            <a:endParaRPr lang="pt-BR" dirty="0"/>
-          </a:p>
-          <a:p>
-            <a:pPr marL="0" indent="0">
-              <a:buNone/>
-            </a:pPr>
-            <a:endParaRPr lang="pt-BR" dirty="0"/>
-          </a:p>
-          <a:p>
-            <a:r>
-              <a:rPr lang="pt-BR" b="1" dirty="0" smtClean="0"/>
-              <a:t>Divisão em Etapas</a:t>
-            </a:r>
-          </a:p>
-          <a:p>
-            <a:pPr lvl="1"/>
-            <a:r>
-              <a:rPr lang="pt-BR" dirty="0" smtClean="0"/>
-              <a:t>Entendimento do funcionamento do Algoritmo</a:t>
-            </a:r>
-          </a:p>
-          <a:p>
-            <a:pPr lvl="1"/>
-            <a:r>
-              <a:rPr lang="pt-BR" dirty="0" smtClean="0"/>
-              <a:t>Implementação sequencial</a:t>
-            </a:r>
-          </a:p>
-          <a:p>
-            <a:pPr lvl="1"/>
-            <a:r>
-              <a:rPr lang="pt-BR" dirty="0" smtClean="0"/>
-              <a:t>Implementação com paralelismo</a:t>
-            </a:r>
-          </a:p>
-          <a:p>
-            <a:pPr lvl="1"/>
-            <a:r>
-              <a:rPr lang="pt-BR" dirty="0" smtClean="0"/>
-              <a:t>Testes</a:t>
-            </a:r>
-          </a:p>
-          <a:p>
-            <a:pPr lvl="1"/>
-            <a:r>
-              <a:rPr lang="pt-BR" dirty="0" smtClean="0"/>
-              <a:t>Análise</a:t>
-            </a:r>
           </a:p>
         </p:txBody>
       </p:sp>
@@ -7655,16 +8374,62 @@
           </a:p>
         </p:txBody>
       </p:sp>
+      <p:sp>
+        <p:nvSpPr>
+          <p:cNvPr id="6" name="CaixaDeTexto 5"/>
+          <p:cNvSpPr txBox="1"/>
+          <p:nvPr/>
+        </p:nvSpPr>
+        <p:spPr>
+          <a:xfrm>
+            <a:off x="735724" y="1642239"/>
+            <a:ext cx="4330262" cy="1754326"/>
+          </a:xfrm>
+          <a:prstGeom prst="rect">
+            <a:avLst/>
+          </a:prstGeom>
+          <a:noFill/>
+        </p:spPr>
+        <p:txBody>
+          <a:bodyPr wrap="square" rtlCol="0">
+            <a:spAutoFit/>
+          </a:bodyPr>
+          <a:lstStyle/>
+          <a:p>
+            <a:r>
+              <a:rPr lang="pt-BR" dirty="0" smtClean="0"/>
+              <a:t>Esta etapa consiste em fazer uma operação XOR bit a bit entre o estado e a </a:t>
+            </a:r>
+            <a:r>
+              <a:rPr lang="pt-BR" dirty="0" err="1" smtClean="0"/>
+              <a:t>sub-chave</a:t>
+            </a:r>
+            <a:r>
+              <a:rPr lang="pt-BR" dirty="0" smtClean="0"/>
+              <a:t>. Os dois são do mesmo tamanho e para cada rodada a chave é expandida, afim de utilizar sempre uma </a:t>
+            </a:r>
+            <a:r>
+              <a:rPr lang="pt-BR" dirty="0" err="1" smtClean="0"/>
+              <a:t>sub-chave</a:t>
+            </a:r>
+            <a:r>
+              <a:rPr lang="pt-BR" dirty="0" smtClean="0"/>
+              <a:t> diferente.</a:t>
+            </a:r>
+            <a:endParaRPr lang="pt-BR" dirty="0"/>
+          </a:p>
+        </p:txBody>
+      </p:sp>
       <p:pic>
         <p:nvPicPr>
-          <p:cNvPr id="5" name="Imagem 4"/>
+          <p:cNvPr id="8" name="Imagem 7"/>
           <p:cNvPicPr>
             <a:picLocks noChangeAspect="1"/>
           </p:cNvPicPr>
           <p:nvPr/>
         </p:nvPicPr>
         <p:blipFill>
-          <a:blip r:embed="rId3">
+          <a:blip r:embed="rId2">
             <a:extLst>
               <a:ext uri="{28A0092B-C50C-407E-A947-70E740481C1C}">
                 <a14:useLocalDpi xmlns:a14="http://schemas.microsoft.com/office/drawing/2010/main" val="0"/>
@@ -7677,8 +8442,8 @@
         </p:blipFill>
         <p:spPr>
           <a:xfrm>
-            <a:off x="7098976" y="1400596"/>
-            <a:ext cx="2758256" cy="1193800"/>
+            <a:off x="5843753" y="2519402"/>
+            <a:ext cx="3404982" cy="3778939"/>
           </a:xfrm>
           <a:prstGeom prst="rect">
             <a:avLst/>
@@ -7688,23 +8453,13 @@
     </p:spTree>
     <p:extLst>
       <p:ext uri="{BB962C8B-B14F-4D97-AF65-F5344CB8AC3E}">
-        <p14:creationId xmlns:p14="http://schemas.microsoft.com/office/powerpoint/2010/main" val="1938584405"/>
+        <p14:creationId xmlns:p14="http://schemas.microsoft.com/office/powerpoint/2010/main" val="2902761029"/>
       </p:ext>
     </p:extLst>
   </p:cSld>
   <p:clrMapOvr>
     <a:masterClrMapping/>
   </p:clrMapOvr>
-  <p:transition spd="slow">
-    <p:push dir="u"/>
-  </p:transition>
-  <p:timing>
-    <p:tnLst>
-      <p:par>
-        <p:cTn id="1" dur="indefinite" restart="never" nodeType="tmRoot"/>
-      </p:par>
-    </p:tnLst>
-  </p:timing>
 </p:sld>
 </file>
 
@@ -7751,7 +8506,7 @@
     </a:clrScheme>
     <a:fontScheme name="View">
       <a:majorFont>
-        <a:latin typeface="Century Schoolbook" panose="02040604050505020304"/>
+        <a:latin typeface="Century Schoolbook"/>
         <a:ea typeface=""/>
         <a:cs typeface=""/>
         <a:font script="Jpan" typeface="ＭＳ ゴシック"/>
@@ -7786,7 +8541,7 @@
         <a:font script="Geor" typeface="Sylfaen"/>
       </a:majorFont>
       <a:minorFont>
-        <a:latin typeface="Century Schoolbook" panose="02040604050505020304"/>
+        <a:latin typeface="Century Schoolbook"/>
         <a:ea typeface=""/>
         <a:cs typeface=""/>
         <a:font script="Jpan" typeface="ＭＳ ゴシック"/>
@@ -7955,7 +8710,7 @@
   <a:extraClrSchemeLst/>
   <a:extLst>
     <a:ext uri="{05A4C25C-085E-4340-85A3-A5531E510DB2}">
-      <thm15:themeFamily xmlns:thm15="http://schemas.microsoft.com/office/thememl/2012/main" name="View" id="{BA0EB5A6-F2D4-4F82-977B-64ADEE4A2A69}" vid="{3969A8A2-35DB-4E3B-8885-16FD20568674}"/>
+      <thm15:themeFamily xmlns:thm15="http://schemas.microsoft.com/office/thememl/2012/main" xmlns="" name="View" id="{BA0EB5A6-F2D4-4F82-977B-64ADEE4A2A69}" vid="{3969A8A2-35DB-4E3B-8885-16FD20568674}"/>
     </a:ext>
   </a:extLst>
 </a:theme>
@@ -8004,7 +8759,7 @@
     </a:clrScheme>
     <a:fontScheme name="Escritório">
       <a:majorFont>
-        <a:latin typeface="Calibri Light" panose="020F0302020204030204"/>
+        <a:latin typeface="Calibri Light"/>
         <a:ea typeface=""/>
         <a:cs typeface=""/>
         <a:font script="Jpan" typeface="ＭＳ Ｐゴシック"/>
@@ -8039,7 +8794,7 @@
         <a:font script="Geor" typeface="Sylfaen"/>
       </a:majorFont>
       <a:minorFont>
-        <a:latin typeface="Calibri" panose="020F0502020204030204"/>
+        <a:latin typeface="Calibri"/>
         <a:ea typeface=""/>
         <a:cs typeface=""/>
         <a:font script="Jpan" typeface="ＭＳ Ｐゴシック"/>
@@ -8216,7 +8971,7 @@
   <a:extraClrSchemeLst/>
   <a:extLst>
     <a:ext uri="{05A4C25C-085E-4340-85A3-A5531E510DB2}">
-      <thm15:themeFamily xmlns:thm15="http://schemas.microsoft.com/office/thememl/2012/main" name="Office Theme" id="{62F939B6-93AF-4DB8-9C6B-D6C7DFDC589F}" vid="{4A3C46E8-61CC-4603-A589-7422A47A8E4A}"/>
+      <thm15:themeFamily xmlns:thm15="http://schemas.microsoft.com/office/thememl/2012/main" xmlns="" name="Office Theme" id="{62F939B6-93AF-4DB8-9C6B-D6C7DFDC589F}" vid="{4A3C46E8-61CC-4603-A589-7422A47A8E4A}"/>
     </a:ext>
   </a:extLst>
 </a:theme>
